--- a/Wetterstation/Wetterstation.pptx
+++ b/Wetterstation/Wetterstation.pptx
@@ -201,7 +201,7 @@
           <a:p>
             <a:fld id="{DD7A25D8-F173-4133-85F8-CB962D678EB5}" type="datetimeFigureOut">
               <a:rPr lang="de-DE" smtClean="0"/>
-              <a:t>09.01.2019</a:t>
+              <a:t>06.12.2019</a:t>
             </a:fld>
             <a:endParaRPr lang="de-DE"/>
           </a:p>
@@ -265,38 +265,37 @@
           <a:p>
             <a:pPr lvl="0"/>
             <a:r>
-              <a:rPr lang="de-DE" smtClean="0"/>
+              <a:rPr lang="de-DE"/>
               <a:t>Formatvorlagen des Textmasters bearbeiten</a:t>
             </a:r>
           </a:p>
           <a:p>
             <a:pPr lvl="1"/>
             <a:r>
-              <a:rPr lang="de-DE" smtClean="0"/>
+              <a:rPr lang="de-DE"/>
               <a:t>Zweite Ebene</a:t>
             </a:r>
           </a:p>
           <a:p>
             <a:pPr lvl="2"/>
             <a:r>
-              <a:rPr lang="de-DE" smtClean="0"/>
+              <a:rPr lang="de-DE"/>
               <a:t>Dritte Ebene</a:t>
             </a:r>
           </a:p>
           <a:p>
             <a:pPr lvl="3"/>
             <a:r>
-              <a:rPr lang="de-DE" smtClean="0"/>
+              <a:rPr lang="de-DE"/>
               <a:t>Vierte Ebene</a:t>
             </a:r>
           </a:p>
           <a:p>
             <a:pPr lvl="4"/>
             <a:r>
-              <a:rPr lang="de-DE" smtClean="0"/>
+              <a:rPr lang="de-DE"/>
               <a:t>Fünfte Ebene</a:t>
             </a:r>
-            <a:endParaRPr lang="de-DE"/>
           </a:p>
         </p:txBody>
       </p:sp>
@@ -511,7 +510,7 @@
           </a:lstStyle>
           <a:p>
             <a:r>
-              <a:rPr lang="de-DE" smtClean="0"/>
+              <a:rPr lang="de-DE"/>
               <a:t>Titelmasterformat durch Klicken bearbeiten</a:t>
             </a:r>
             <a:endParaRPr lang="en-US" dirty="0"/>
@@ -576,7 +575,7 @@
           </a:lstStyle>
           <a:p>
             <a:r>
-              <a:rPr lang="de-DE" smtClean="0"/>
+              <a:rPr lang="de-DE"/>
               <a:t>Formatvorlage des Untertitelmasters durch Klicken bearbeiten</a:t>
             </a:r>
             <a:endParaRPr lang="en-US" dirty="0"/>
@@ -600,7 +599,7 @@
           <a:p>
             <a:fld id="{FC9269F9-6F79-4414-A84E-D81C6C443C37}" type="datetimeFigureOut">
               <a:rPr lang="de-DE" smtClean="0"/>
-              <a:t>09.01.2019</a:t>
+              <a:t>06.12.2019</a:t>
             </a:fld>
             <a:endParaRPr lang="de-DE"/>
           </a:p>
@@ -658,13 +657,6 @@
   <p:clrMapOvr>
     <a:masterClrMapping/>
   </p:clrMapOvr>
-  <p:timing>
-    <p:tnLst>
-      <p:par>
-        <p:cTn id="1" dur="indefinite" restart="never" nodeType="tmRoot"/>
-      </p:par>
-    </p:tnLst>
-  </p:timing>
 </p:sldLayout>
 </file>
 
@@ -807,7 +799,7 @@
           </a:lstStyle>
           <a:p>
             <a:r>
-              <a:rPr lang="de-DE" dirty="0" smtClean="0"/>
+              <a:rPr lang="de-DE" dirty="0"/>
               <a:t>Titelmasterformat durch Klicken bearbeiten</a:t>
             </a:r>
             <a:endParaRPr lang="en-US" dirty="0"/>
@@ -1021,10 +1013,9 @@
           <a:p>
             <a:pPr lvl="0"/>
             <a:r>
-              <a:rPr lang="de-DE" dirty="0" smtClean="0"/>
+              <a:rPr lang="de-DE" dirty="0"/>
               <a:t>Aufgabentext</a:t>
             </a:r>
-            <a:endParaRPr lang="de-DE" dirty="0"/>
           </a:p>
         </p:txBody>
       </p:sp>
@@ -1051,10 +1042,9 @@
           <a:lstStyle/>
           <a:p>
             <a:r>
-              <a:rPr lang="de-DE" b="1" dirty="0" smtClean="0"/>
+              <a:rPr lang="de-DE" b="1" dirty="0"/>
               <a:t>Challenge</a:t>
             </a:r>
-            <a:endParaRPr lang="de-DE" b="1" dirty="0"/>
           </a:p>
         </p:txBody>
       </p:sp>
@@ -1091,10 +1081,9 @@
           <a:p>
             <a:pPr lvl="0"/>
             <a:r>
-              <a:rPr lang="de-DE" dirty="0" smtClean="0"/>
+              <a:rPr lang="de-DE" dirty="0"/>
               <a:t>Schwierigkeitsgrad</a:t>
             </a:r>
-            <a:endParaRPr lang="de-DE" dirty="0"/>
           </a:p>
         </p:txBody>
       </p:sp>
@@ -1131,7 +1120,7 @@
           <a:p>
             <a:pPr lvl="0"/>
             <a:r>
-              <a:rPr lang="de-DE" sz="3200" dirty="0" smtClean="0"/>
+              <a:rPr lang="de-DE" sz="3200" dirty="0"/>
               <a:t>N</a:t>
             </a:r>
             <a:endParaRPr lang="de-DE" dirty="0"/>
@@ -1249,6 +1238,42 @@
           </a:prstGeom>
         </p:spPr>
       </p:pic>
+      <p:pic>
+        <p:nvPicPr>
+          <p:cNvPr id="18" name="Grafik 17">
+            <a:extLst>
+              <a:ext uri="{FF2B5EF4-FFF2-40B4-BE49-F238E27FC236}">
+                <a16:creationId xmlns:a16="http://schemas.microsoft.com/office/drawing/2014/main" id="{B7D37BBB-557F-49EB-B78F-EB5723E63D4A}"/>
+              </a:ext>
+            </a:extLst>
+          </p:cNvPr>
+          <p:cNvPicPr>
+            <a:picLocks noChangeAspect="1"/>
+          </p:cNvPicPr>
+          <p:nvPr userDrawn="1"/>
+        </p:nvPicPr>
+        <p:blipFill>
+          <a:blip r:embed="rId4" cstate="print">
+            <a:extLst>
+              <a:ext uri="{28A0092B-C50C-407E-A947-70E740481C1C}">
+                <a14:useLocalDpi xmlns:a14="http://schemas.microsoft.com/office/drawing/2010/main" val="0"/>
+              </a:ext>
+            </a:extLst>
+          </a:blip>
+          <a:stretch>
+            <a:fillRect/>
+          </a:stretch>
+        </p:blipFill>
+        <p:spPr>
+          <a:xfrm>
+            <a:off x="2074069" y="9099550"/>
+            <a:ext cx="381000" cy="571500"/>
+          </a:xfrm>
+          <a:prstGeom prst="rect">
+            <a:avLst/>
+          </a:prstGeom>
+        </p:spPr>
+      </p:pic>
     </p:spTree>
     <p:extLst>
       <p:ext uri="{BB962C8B-B14F-4D97-AF65-F5344CB8AC3E}">
@@ -1259,13 +1284,6 @@
   <p:clrMapOvr>
     <a:masterClrMapping/>
   </p:clrMapOvr>
-  <p:timing>
-    <p:tnLst>
-      <p:par>
-        <p:cTn id="1" dur="indefinite" restart="never" nodeType="tmRoot"/>
-      </p:par>
-    </p:tnLst>
-  </p:timing>
 </p:sldLayout>
 </file>
 
@@ -1408,7 +1426,7 @@
           </a:lstStyle>
           <a:p>
             <a:r>
-              <a:rPr lang="de-DE" dirty="0" smtClean="0"/>
+              <a:rPr lang="de-DE" dirty="0"/>
               <a:t>Titelmasterformat durch Klicken bearbeiten</a:t>
             </a:r>
             <a:endParaRPr lang="en-US" dirty="0"/>
@@ -1623,13 +1641,6 @@
   <p:clrMapOvr>
     <a:masterClrMapping/>
   </p:clrMapOvr>
-  <p:timing>
-    <p:tnLst>
-      <p:par>
-        <p:cTn id="1" dur="indefinite" restart="never" nodeType="tmRoot"/>
-      </p:par>
-    </p:tnLst>
-  </p:timing>
 </p:sldLayout>
 </file>
 
@@ -1679,10 +1690,9 @@
           </a:lstStyle>
           <a:p>
             <a:r>
-              <a:rPr lang="de-DE" dirty="0" smtClean="0"/>
+              <a:rPr lang="de-DE" dirty="0"/>
               <a:t>Aufgabe</a:t>
             </a:r>
-            <a:endParaRPr lang="de-DE" dirty="0"/>
           </a:p>
         </p:txBody>
       </p:sp>
@@ -1703,7 +1713,7 @@
           <a:p>
             <a:fld id="{FC9269F9-6F79-4414-A84E-D81C6C443C37}" type="datetimeFigureOut">
               <a:rPr lang="de-DE" smtClean="0"/>
-              <a:t>09.01.2019</a:t>
+              <a:t>06.12.2019</a:t>
             </a:fld>
             <a:endParaRPr lang="de-DE"/>
           </a:p>
@@ -1755,14 +1765,11 @@
           <a:lstStyle/>
           <a:p>
             <a:r>
-              <a:rPr lang="de-DE" sz="3600" b="1" dirty="0" smtClean="0">
+              <a:rPr lang="de-DE" sz="3600" b="1" dirty="0">
                 <a:latin typeface="+mn-lt"/>
               </a:rPr>
               <a:t>Lösung</a:t>
             </a:r>
-            <a:endParaRPr lang="de-DE" sz="3600" b="1" dirty="0">
-              <a:latin typeface="+mn-lt"/>
-            </a:endParaRPr>
           </a:p>
         </p:txBody>
       </p:sp>
@@ -1825,10 +1832,9 @@
           <a:lstStyle/>
           <a:p>
             <a:r>
-              <a:rPr lang="de-DE" sz="1200" dirty="0" smtClean="0"/>
+              <a:rPr lang="de-DE" sz="1200" dirty="0"/>
               <a:t>Verwendete Befehlsgruppen</a:t>
             </a:r>
-            <a:endParaRPr lang="de-DE" sz="1200" dirty="0"/>
           </a:p>
         </p:txBody>
       </p:sp>
@@ -1915,10 +1921,9 @@
           <a:lstStyle/>
           <a:p>
             <a:r>
-              <a:rPr lang="de-DE" sz="1600" b="1" dirty="0" smtClean="0"/>
+              <a:rPr lang="de-DE" sz="1600" b="1" dirty="0"/>
               <a:t>Code</a:t>
             </a:r>
-            <a:endParaRPr lang="de-DE" sz="1600" b="1" dirty="0"/>
           </a:p>
         </p:txBody>
       </p:sp>
@@ -1954,38 +1959,37 @@
           <a:p>
             <a:pPr lvl="0"/>
             <a:r>
-              <a:rPr lang="de-DE" dirty="0" smtClean="0"/>
+              <a:rPr lang="de-DE" dirty="0"/>
               <a:t>Formatvorlagen des Textmasters bearbeiten</a:t>
             </a:r>
           </a:p>
           <a:p>
             <a:pPr lvl="1"/>
             <a:r>
-              <a:rPr lang="de-DE" dirty="0" smtClean="0"/>
+              <a:rPr lang="de-DE" dirty="0"/>
               <a:t>Zweite Ebene</a:t>
             </a:r>
           </a:p>
           <a:p>
             <a:pPr lvl="2"/>
             <a:r>
-              <a:rPr lang="de-DE" dirty="0" smtClean="0"/>
+              <a:rPr lang="de-DE" dirty="0"/>
               <a:t>Dritte Ebene</a:t>
             </a:r>
           </a:p>
           <a:p>
             <a:pPr lvl="3"/>
             <a:r>
-              <a:rPr lang="de-DE" dirty="0" smtClean="0"/>
+              <a:rPr lang="de-DE" dirty="0"/>
               <a:t>Vierte Ebene</a:t>
             </a:r>
           </a:p>
           <a:p>
             <a:pPr lvl="4"/>
             <a:r>
-              <a:rPr lang="de-DE" dirty="0" smtClean="0"/>
+              <a:rPr lang="de-DE" dirty="0"/>
               <a:t>Fünfte Ebene</a:t>
             </a:r>
-            <a:endParaRPr lang="de-DE" dirty="0"/>
           </a:p>
         </p:txBody>
       </p:sp>
@@ -2061,12 +2065,12 @@
           <a:p>
             <a:pPr algn="ctr"/>
             <a:r>
-              <a:rPr lang="de-DE" sz="1100" dirty="0" smtClean="0">
+              <a:rPr lang="de-DE" sz="1100" dirty="0">
                 <a:hlinkClick r:id="rId2"/>
               </a:rPr>
               <a:t>https://www.htw-dresden.de/kiss-mint</a:t>
             </a:r>
-            <a:endParaRPr lang="de-DE" sz="1100" dirty="0" smtClean="0"/>
+            <a:endParaRPr lang="de-DE" sz="1100" dirty="0"/>
           </a:p>
         </p:txBody>
       </p:sp>
@@ -2080,13 +2084,6 @@
   <p:clrMapOvr>
     <a:masterClrMapping/>
   </p:clrMapOvr>
-  <p:timing>
-    <p:tnLst>
-      <p:par>
-        <p:cTn id="1" dur="indefinite" restart="never" nodeType="tmRoot"/>
-      </p:par>
-    </p:tnLst>
-  </p:timing>
 </p:sldLayout>
 </file>
 
@@ -2134,10 +2131,9 @@
           </a:lstStyle>
           <a:p>
             <a:r>
-              <a:rPr lang="de-DE" dirty="0" smtClean="0"/>
+              <a:rPr lang="de-DE" dirty="0"/>
               <a:t>Titelmasterformat durch Klicken bearbeiten</a:t>
             </a:r>
-            <a:endParaRPr lang="de-DE" dirty="0"/>
           </a:p>
         </p:txBody>
       </p:sp>
@@ -2158,7 +2154,7 @@
           <a:p>
             <a:fld id="{FC9269F9-6F79-4414-A84E-D81C6C443C37}" type="datetimeFigureOut">
               <a:rPr lang="de-DE" smtClean="0"/>
-              <a:t>09.01.2019</a:t>
+              <a:t>06.12.2019</a:t>
             </a:fld>
             <a:endParaRPr lang="de-DE"/>
           </a:p>
@@ -2216,7 +2212,7 @@
           <a:p>
             <a:pPr lvl="0"/>
             <a:r>
-              <a:rPr lang="de-DE" b="1" dirty="0" smtClean="0"/>
+              <a:rPr lang="de-DE" b="1" dirty="0"/>
               <a:t>Rubrik</a:t>
             </a:r>
             <a:endParaRPr lang="de-DE" dirty="0"/>
@@ -2271,10 +2267,9 @@
           <a:p>
             <a:pPr lvl="0"/>
             <a:r>
-              <a:rPr lang="de-DE" dirty="0" smtClean="0"/>
+              <a:rPr lang="de-DE" dirty="0"/>
               <a:t>Formatvorlagen des Textmasters bearbeiten</a:t>
             </a:r>
-            <a:endParaRPr lang="de-DE" dirty="0"/>
           </a:p>
         </p:txBody>
       </p:sp>
@@ -2302,12 +2297,12 @@
           <a:p>
             <a:pPr algn="ctr"/>
             <a:r>
-              <a:rPr lang="de-DE" sz="1100" dirty="0" smtClean="0">
+              <a:rPr lang="de-DE" sz="1100" dirty="0">
                 <a:hlinkClick r:id="rId2"/>
               </a:rPr>
               <a:t>https://www.htw-dresden.de/kiss-mint</a:t>
             </a:r>
-            <a:endParaRPr lang="de-DE" sz="1100" dirty="0" smtClean="0"/>
+            <a:endParaRPr lang="de-DE" sz="1100" dirty="0"/>
           </a:p>
         </p:txBody>
       </p:sp>
@@ -2321,13 +2316,6 @@
   <p:clrMapOvr>
     <a:masterClrMapping/>
   </p:clrMapOvr>
-  <p:timing>
-    <p:tnLst>
-      <p:par>
-        <p:cTn id="1" dur="indefinite" restart="never" nodeType="tmRoot"/>
-      </p:par>
-    </p:tnLst>
-  </p:timing>
 </p:sldLayout>
 </file>
 
@@ -2615,34 +2603,34 @@
           <a:p>
             <a:pPr algn="ctr"/>
             <a:r>
-              <a:rPr lang="de-DE" b="1" dirty="0" smtClean="0"/>
+              <a:rPr lang="de-DE" b="1" dirty="0"/>
               <a:t>Veröffentlicht</a:t>
             </a:r>
             <a:r>
-              <a:rPr lang="de-DE" b="1" baseline="0" dirty="0" smtClean="0"/>
+              <a:rPr lang="de-DE" b="1" baseline="0" dirty="0"/>
               <a:t> unter CC BY SA</a:t>
             </a:r>
           </a:p>
           <a:p>
             <a:pPr algn="ctr"/>
-            <a:endParaRPr lang="de-DE" b="0" baseline="0" dirty="0" smtClean="0"/>
+            <a:endParaRPr lang="de-DE" b="0" baseline="0" dirty="0"/>
           </a:p>
           <a:p>
             <a:pPr algn="ctr"/>
             <a:r>
-              <a:rPr lang="de-DE" b="0" dirty="0" smtClean="0"/>
+              <a:rPr lang="de-DE" b="0" dirty="0"/>
               <a:t>Dieses Werk ist unter einer Creative </a:t>
             </a:r>
             <a:r>
-              <a:rPr lang="de-DE" b="0" dirty="0" err="1" smtClean="0"/>
+              <a:rPr lang="de-DE" b="0" dirty="0" err="1"/>
               <a:t>Commons</a:t>
             </a:r>
             <a:r>
-              <a:rPr lang="de-DE" b="0" dirty="0" smtClean="0"/>
+              <a:rPr lang="de-DE" b="0" dirty="0"/>
               <a:t> Lizenz vom Typ Namensnennung - Weitergabe unter gleichen Bedingungen 4.0 International zugänglich. Um eine Kopie dieser Lizenz einzusehen, konsultieren </a:t>
             </a:r>
             <a:r>
-              <a:rPr lang="de-DE" b="0" dirty="0" smtClean="0">
+              <a:rPr lang="de-DE" b="0" dirty="0">
                 <a:solidFill>
                   <a:schemeClr val="bg1"/>
                 </a:solidFill>
@@ -2650,18 +2638,17 @@
               <a:t>Sie http://creativecommons.org/licenses/by-sa/4.0/ oder </a:t>
             </a:r>
             <a:r>
-              <a:rPr lang="de-DE" b="0" dirty="0" smtClean="0"/>
+              <a:rPr lang="de-DE" b="0" dirty="0"/>
               <a:t>wenden Sie sich brieflich an Creative </a:t>
             </a:r>
             <a:r>
-              <a:rPr lang="de-DE" b="0" dirty="0" err="1" smtClean="0"/>
+              <a:rPr lang="de-DE" b="0" dirty="0" err="1"/>
               <a:t>Commons</a:t>
             </a:r>
             <a:r>
-              <a:rPr lang="de-DE" b="0" dirty="0" smtClean="0"/>
+              <a:rPr lang="de-DE" b="0" dirty="0"/>
               <a:t>, Postfach 1866, Mountain View, California, 94042, USA.</a:t>
             </a:r>
-            <a:endParaRPr lang="de-DE" b="0" dirty="0"/>
           </a:p>
         </p:txBody>
       </p:sp>
@@ -2820,38 +2807,37 @@
           <a:p>
             <a:pPr lvl="0"/>
             <a:r>
-              <a:rPr lang="de-DE" dirty="0" smtClean="0"/>
+              <a:rPr lang="de-DE" dirty="0"/>
               <a:t>Formatvorlagen des Textmasters bearbeiten</a:t>
             </a:r>
           </a:p>
           <a:p>
             <a:pPr lvl="1"/>
             <a:r>
-              <a:rPr lang="de-DE" dirty="0" smtClean="0"/>
+              <a:rPr lang="de-DE" dirty="0"/>
               <a:t>Zweite Ebene</a:t>
             </a:r>
           </a:p>
           <a:p>
             <a:pPr lvl="2"/>
             <a:r>
-              <a:rPr lang="de-DE" dirty="0" smtClean="0"/>
+              <a:rPr lang="de-DE" dirty="0"/>
               <a:t>Dritte Ebene</a:t>
             </a:r>
           </a:p>
           <a:p>
             <a:pPr lvl="3"/>
             <a:r>
-              <a:rPr lang="de-DE" dirty="0" smtClean="0"/>
+              <a:rPr lang="de-DE" dirty="0"/>
               <a:t>Vierte Ebene</a:t>
             </a:r>
           </a:p>
           <a:p>
             <a:pPr lvl="4"/>
             <a:r>
-              <a:rPr lang="de-DE" dirty="0" smtClean="0"/>
+              <a:rPr lang="de-DE" dirty="0"/>
               <a:t>Fünfte Ebene</a:t>
             </a:r>
-            <a:endParaRPr lang="de-DE" dirty="0"/>
           </a:p>
         </p:txBody>
       </p:sp>
@@ -2884,6 +2870,42 @@
           </a:prstGeom>
         </p:spPr>
       </p:pic>
+      <p:pic>
+        <p:nvPicPr>
+          <p:cNvPr id="15" name="Grafik 14">
+            <a:extLst>
+              <a:ext uri="{FF2B5EF4-FFF2-40B4-BE49-F238E27FC236}">
+                <a16:creationId xmlns:a16="http://schemas.microsoft.com/office/drawing/2014/main" id="{91753984-DFB1-4401-AF7B-43F45B1F63B2}"/>
+              </a:ext>
+            </a:extLst>
+          </p:cNvPr>
+          <p:cNvPicPr>
+            <a:picLocks noChangeAspect="1"/>
+          </p:cNvPicPr>
+          <p:nvPr userDrawn="1"/>
+        </p:nvPicPr>
+        <p:blipFill>
+          <a:blip r:embed="rId7" cstate="print">
+            <a:extLst>
+              <a:ext uri="{28A0092B-C50C-407E-A947-70E740481C1C}">
+                <a14:useLocalDpi xmlns:a14="http://schemas.microsoft.com/office/drawing/2010/main" val="0"/>
+              </a:ext>
+            </a:extLst>
+          </a:blip>
+          <a:stretch>
+            <a:fillRect/>
+          </a:stretch>
+        </p:blipFill>
+        <p:spPr>
+          <a:xfrm>
+            <a:off x="2074069" y="9099550"/>
+            <a:ext cx="381000" cy="571500"/>
+          </a:xfrm>
+          <a:prstGeom prst="rect">
+            <a:avLst/>
+          </a:prstGeom>
+        </p:spPr>
+      </p:pic>
     </p:spTree>
     <p:extLst>
       <p:ext uri="{BB962C8B-B14F-4D97-AF65-F5344CB8AC3E}">
@@ -2894,13 +2916,6 @@
   <p:clrMapOvr>
     <a:masterClrMapping/>
   </p:clrMapOvr>
-  <p:timing>
-    <p:tnLst>
-      <p:par>
-        <p:cTn id="1" dur="indefinite" restart="never" nodeType="tmRoot"/>
-      </p:par>
-    </p:tnLst>
-  </p:timing>
 </p:sldLayout>
 </file>
 
@@ -2948,10 +2963,9 @@
           </a:lstStyle>
           <a:p>
             <a:r>
-              <a:rPr lang="de-DE" dirty="0" smtClean="0"/>
+              <a:rPr lang="de-DE" dirty="0"/>
               <a:t>Titelmasterformat durch Klicken bearbeiten</a:t>
             </a:r>
-            <a:endParaRPr lang="de-DE" dirty="0"/>
           </a:p>
         </p:txBody>
       </p:sp>
@@ -2972,7 +2986,7 @@
           <a:p>
             <a:fld id="{FC9269F9-6F79-4414-A84E-D81C6C443C37}" type="datetimeFigureOut">
               <a:rPr lang="de-DE" smtClean="0"/>
-              <a:t>09.01.2019</a:t>
+              <a:t>06.12.2019</a:t>
             </a:fld>
             <a:endParaRPr lang="de-DE"/>
           </a:p>
@@ -3049,7 +3063,7 @@
           <a:p>
             <a:pPr lvl="0"/>
             <a:r>
-              <a:rPr lang="de-DE" b="1" dirty="0" smtClean="0"/>
+              <a:rPr lang="de-DE" b="1" dirty="0"/>
               <a:t>Rubrik</a:t>
             </a:r>
             <a:endParaRPr lang="de-DE" dirty="0"/>
@@ -3108,10 +3122,9 @@
           <a:p>
             <a:pPr lvl="0"/>
             <a:r>
-              <a:rPr lang="de-DE" dirty="0" smtClean="0"/>
+              <a:rPr lang="de-DE" dirty="0"/>
               <a:t>Formatvorlagen des Textmasters bearbeiten</a:t>
             </a:r>
-            <a:endParaRPr lang="de-DE" dirty="0"/>
           </a:p>
         </p:txBody>
       </p:sp>
@@ -3143,10 +3156,9 @@
           <a:p>
             <a:pPr lvl="0"/>
             <a:r>
-              <a:rPr lang="de-DE" dirty="0" smtClean="0"/>
+              <a:rPr lang="de-DE" dirty="0"/>
               <a:t>Legende</a:t>
             </a:r>
-            <a:endParaRPr lang="de-DE" dirty="0"/>
           </a:p>
         </p:txBody>
       </p:sp>
@@ -3160,13 +3172,6 @@
   <p:clrMapOvr>
     <a:masterClrMapping/>
   </p:clrMapOvr>
-  <p:timing>
-    <p:tnLst>
-      <p:par>
-        <p:cTn id="1" dur="indefinite" restart="never" nodeType="tmRoot"/>
-      </p:par>
-    </p:tnLst>
-  </p:timing>
 </p:sldLayout>
 </file>
 
@@ -3204,7 +3209,7 @@
           <a:p>
             <a:fld id="{FC9269F9-6F79-4414-A84E-D81C6C443C37}" type="datetimeFigureOut">
               <a:rPr lang="de-DE" smtClean="0"/>
-              <a:t>09.01.2019</a:t>
+              <a:t>06.12.2019</a:t>
             </a:fld>
             <a:endParaRPr lang="de-DE"/>
           </a:p>
@@ -3262,13 +3267,6 @@
   <p:clrMapOvr>
     <a:masterClrMapping/>
   </p:clrMapOvr>
-  <p:timing>
-    <p:tnLst>
-      <p:par>
-        <p:cTn id="1" dur="indefinite" restart="never" nodeType="tmRoot"/>
-      </p:par>
-    </p:tnLst>
-  </p:timing>
 </p:sldLayout>
 </file>
 
@@ -3320,7 +3318,7 @@
           <a:lstStyle/>
           <a:p>
             <a:r>
-              <a:rPr lang="de-DE" smtClean="0"/>
+              <a:rPr lang="de-DE"/>
               <a:t>Titelmasterformat durch Klicken bearbeiten</a:t>
             </a:r>
             <a:endParaRPr lang="en-US" dirty="0"/>
@@ -3354,35 +3352,35 @@
           <a:p>
             <a:pPr lvl="0"/>
             <a:r>
-              <a:rPr lang="de-DE" smtClean="0"/>
+              <a:rPr lang="de-DE"/>
               <a:t>Formatvorlagen des Textmasters bearbeiten</a:t>
             </a:r>
           </a:p>
           <a:p>
             <a:pPr lvl="1"/>
             <a:r>
-              <a:rPr lang="de-DE" smtClean="0"/>
+              <a:rPr lang="de-DE"/>
               <a:t>Zweite Ebene</a:t>
             </a:r>
           </a:p>
           <a:p>
             <a:pPr lvl="2"/>
             <a:r>
-              <a:rPr lang="de-DE" smtClean="0"/>
+              <a:rPr lang="de-DE"/>
               <a:t>Dritte Ebene</a:t>
             </a:r>
           </a:p>
           <a:p>
             <a:pPr lvl="3"/>
             <a:r>
-              <a:rPr lang="de-DE" smtClean="0"/>
+              <a:rPr lang="de-DE"/>
               <a:t>Vierte Ebene</a:t>
             </a:r>
           </a:p>
           <a:p>
             <a:pPr lvl="4"/>
             <a:r>
-              <a:rPr lang="de-DE" smtClean="0"/>
+              <a:rPr lang="de-DE"/>
               <a:t>Fünfte Ebene</a:t>
             </a:r>
             <a:endParaRPr lang="en-US" dirty="0"/>
@@ -3424,7 +3422,7 @@
           <a:p>
             <a:fld id="{FC9269F9-6F79-4414-A84E-D81C6C443C37}" type="datetimeFigureOut">
               <a:rPr lang="de-DE" smtClean="0"/>
-              <a:t>09.01.2019</a:t>
+              <a:t>06.12.2019</a:t>
             </a:fld>
             <a:endParaRPr lang="de-DE"/>
           </a:p>
@@ -3527,13 +3525,6 @@
     <p:sldLayoutId id="2147483674" r:id="rId7"/>
     <p:sldLayoutId id="2147483676" r:id="rId8"/>
   </p:sldLayoutIdLst>
-  <p:timing>
-    <p:tnLst>
-      <p:par>
-        <p:cTn id="1" dur="indefinite" restart="never" nodeType="tmRoot"/>
-      </p:par>
-    </p:tnLst>
-  </p:timing>
   <p:txStyles>
     <p:titleStyle>
       <a:lvl1pPr algn="l" defTabSz="685800" rtl="0" eaLnBrk="1" latinLnBrk="0" hangingPunct="1">
@@ -3850,10 +3841,9 @@
           <a:lstStyle/>
           <a:p>
             <a:r>
-              <a:rPr lang="de-DE" dirty="0" smtClean="0"/>
+              <a:rPr lang="de-DE" dirty="0"/>
               <a:t>Wetterstation</a:t>
             </a:r>
-            <a:endParaRPr lang="de-DE" dirty="0"/>
           </a:p>
         </p:txBody>
       </p:sp>
@@ -3880,10 +3870,9 @@
           <a:lstStyle/>
           <a:p>
             <a:r>
-              <a:rPr lang="de-DE" dirty="0" smtClean="0"/>
+              <a:rPr lang="de-DE" dirty="0"/>
               <a:t>Entwickle eine kleine Wetterstation die folgende 3 Funktionen besitzt: Temperatur messen, Tag und Nacht anzeigen, Niederschlag messen. Alle 3 Funktionen sollen auf Knopfdruck angezeigt werden.</a:t>
             </a:r>
-            <a:endParaRPr lang="de-DE" dirty="0"/>
           </a:p>
         </p:txBody>
       </p:sp>
@@ -3903,10 +3892,9 @@
           <a:lstStyle/>
           <a:p>
             <a:r>
-              <a:rPr lang="de-DE" dirty="0" smtClean="0"/>
+              <a:rPr lang="de-DE" dirty="0"/>
               <a:t>Für Fortgeschrittene</a:t>
             </a:r>
-            <a:endParaRPr lang="de-DE" dirty="0"/>
           </a:p>
         </p:txBody>
       </p:sp>
@@ -3970,13 +3958,6 @@
   <p:clrMapOvr>
     <a:masterClrMapping/>
   </p:clrMapOvr>
-  <p:timing>
-    <p:tnLst>
-      <p:par>
-        <p:cTn id="1" dur="indefinite" restart="never" nodeType="tmRoot"/>
-      </p:par>
-    </p:tnLst>
-  </p:timing>
 </p:sld>
 </file>
 
@@ -4033,12 +4014,8 @@
               <a:buNone/>
             </a:pPr>
             <a:r>
-              <a:rPr lang="de-DE" dirty="0" smtClean="0"/>
-              <a:t>Eine </a:t>
-            </a:r>
-            <a:r>
               <a:rPr lang="de-DE" dirty="0"/>
-              <a:t>Wetterstation mit dem </a:t>
+              <a:t>Eine Wetterstation mit dem </a:t>
             </a:r>
             <a:r>
               <a:rPr lang="de-DE" dirty="0" err="1"/>
@@ -4046,11 +4023,7 @@
             </a:r>
             <a:r>
               <a:rPr lang="de-DE" dirty="0"/>
-              <a:t> </a:t>
-            </a:r>
-            <a:r>
-              <a:rPr lang="de-DE" dirty="0" smtClean="0"/>
-              <a:t>mini</a:t>
+              <a:t> mini</a:t>
             </a:r>
           </a:p>
           <a:p>
@@ -4061,7 +4034,7 @@
               <a:buNone/>
             </a:pPr>
             <a:r>
-              <a:rPr lang="de-DE" dirty="0" smtClean="0"/>
+              <a:rPr lang="de-DE" dirty="0"/>
               <a:t>Code </a:t>
             </a:r>
             <a:r>
@@ -4078,17 +4051,13 @@
             </a:r>
             <a:r>
               <a:rPr lang="de-DE" dirty="0"/>
-              <a:t> </a:t>
-            </a:r>
-            <a:r>
-              <a:rPr lang="de-DE" dirty="0" smtClean="0"/>
-              <a:t>e.V.</a:t>
+              <a:t> e.V.</a:t>
             </a:r>
             <a:br>
-              <a:rPr lang="de-DE" dirty="0" smtClean="0"/>
+              <a:rPr lang="de-DE" dirty="0"/>
             </a:br>
             <a:r>
-              <a:rPr lang="de-DE" dirty="0" smtClean="0"/>
+              <a:rPr lang="de-DE" dirty="0"/>
               <a:t>Autoren: </a:t>
             </a:r>
             <a:r>
@@ -4121,77 +4090,45 @@
             </a:r>
             <a:r>
               <a:rPr lang="de-DE" dirty="0"/>
-              <a:t>, Jutta Schneider, Thomas Schmidt, Peggy </a:t>
-            </a:r>
-            <a:r>
-              <a:rPr lang="de-DE" dirty="0" smtClean="0"/>
-              <a:t>Reinelt</a:t>
+              <a:t>, Jutta Schneider, Thomas Schmidt, Peggy Reinelt</a:t>
             </a:r>
             <a:br>
-              <a:rPr lang="de-DE" dirty="0" smtClean="0"/>
+              <a:rPr lang="de-DE" dirty="0"/>
             </a:br>
             <a:r>
-              <a:rPr lang="de-DE" dirty="0" smtClean="0"/>
-              <a:t>URL </a:t>
-            </a:r>
-            <a:r>
               <a:rPr lang="de-DE" dirty="0"/>
-              <a:t>des Werkes: </a:t>
-            </a:r>
-            <a:r>
-              <a:rPr lang="de-DE" dirty="0" smtClean="0">
+              <a:t>URL des Werkes: </a:t>
+            </a:r>
+            <a:r>
+              <a:rPr lang="de-DE" dirty="0">
                 <a:hlinkClick r:id="rId2"/>
               </a:rPr>
               <a:t>www.code-your-life.org</a:t>
             </a:r>
             <a:r>
-              <a:rPr lang="de-DE" dirty="0" smtClean="0"/>
+              <a:rPr lang="de-DE" dirty="0"/>
               <a:t> </a:t>
             </a:r>
             <a:br>
-              <a:rPr lang="de-DE" dirty="0" smtClean="0"/>
+              <a:rPr lang="de-DE" dirty="0"/>
             </a:br>
             <a:r>
-              <a:rPr lang="de-DE" dirty="0" smtClean="0"/>
-              <a:t>Format </a:t>
-            </a:r>
-            <a:r>
               <a:rPr lang="de-DE" dirty="0"/>
-              <a:t>des Werks: Mehrere </a:t>
-            </a:r>
-            <a:r>
-              <a:rPr lang="de-DE" dirty="0" smtClean="0"/>
-              <a:t>Formate</a:t>
+              <a:t>Format des Werks: Mehrere Formate</a:t>
             </a:r>
             <a:br>
-              <a:rPr lang="de-DE" dirty="0" smtClean="0"/>
+              <a:rPr lang="de-DE" dirty="0"/>
             </a:br>
             <a:r>
-              <a:rPr lang="de-DE" dirty="0" smtClean="0"/>
-              <a:t>Lizenzkennzeichnung</a:t>
-            </a:r>
-            <a:r>
               <a:rPr lang="de-DE" dirty="0"/>
-              <a:t>: </a:t>
-            </a:r>
-            <a:r>
-              <a:rPr lang="de-DE" dirty="0" smtClean="0"/>
-              <a:t>CC-BY-SA</a:t>
+              <a:t>Lizenzkennzeichnung: CC-BY-SA</a:t>
             </a:r>
             <a:br>
-              <a:rPr lang="de-DE" dirty="0" smtClean="0"/>
+              <a:rPr lang="de-DE" dirty="0"/>
             </a:br>
             <a:r>
-              <a:rPr lang="de-DE" dirty="0" smtClean="0"/>
-              <a:t>Version</a:t>
-            </a:r>
-            <a:r>
               <a:rPr lang="de-DE" dirty="0"/>
-              <a:t>: 1.1 | </a:t>
-            </a:r>
-            <a:r>
-              <a:rPr lang="de-DE" dirty="0" smtClean="0"/>
-              <a:t>19.04.2017</a:t>
+              <a:t>Version: 1.1 | 19.04.2017</a:t>
             </a:r>
           </a:p>
           <a:p>
@@ -4202,15 +4139,9 @@
               <a:rPr lang="de-DE" dirty="0">
                 <a:hlinkClick r:id="rId3"/>
               </a:rPr>
-              <a:t>https://</a:t>
-            </a:r>
-            <a:r>
-              <a:rPr lang="de-DE" dirty="0" smtClean="0">
-                <a:hlinkClick r:id="rId3"/>
-              </a:rPr>
-              <a:t>www.code-your-life.org/Praxis/Calliope_mini/mediabase/pdf/2780.pdf</a:t>
-            </a:r>
-            <a:endParaRPr lang="de-DE" dirty="0" smtClean="0"/>
+              <a:t>https://www.code-your-life.org/Praxis/Calliope_mini/mediabase/pdf/2780.pdf</a:t>
+            </a:r>
+            <a:endParaRPr lang="de-DE" dirty="0"/>
           </a:p>
           <a:p>
             <a:pPr marL="0" indent="0">

--- a/Wetterstation/Wetterstation.pptx
+++ b/Wetterstation/Wetterstation.pptx
@@ -201,7 +201,7 @@
           <a:p>
             <a:fld id="{DD7A25D8-F173-4133-85F8-CB962D678EB5}" type="datetimeFigureOut">
               <a:rPr lang="de-DE" smtClean="0"/>
-              <a:t>06.12.2019</a:t>
+              <a:t>09.12.2019</a:t>
             </a:fld>
             <a:endParaRPr lang="de-DE"/>
           </a:p>
@@ -599,7 +599,7 @@
           <a:p>
             <a:fld id="{FC9269F9-6F79-4414-A84E-D81C6C443C37}" type="datetimeFigureOut">
               <a:rPr lang="de-DE" smtClean="0"/>
-              <a:t>06.12.2019</a:t>
+              <a:t>09.12.2019</a:t>
             </a:fld>
             <a:endParaRPr lang="de-DE"/>
           </a:p>
@@ -1713,7 +1713,7 @@
           <a:p>
             <a:fld id="{FC9269F9-6F79-4414-A84E-D81C6C443C37}" type="datetimeFigureOut">
               <a:rPr lang="de-DE" smtClean="0"/>
-              <a:t>06.12.2019</a:t>
+              <a:t>09.12.2019</a:t>
             </a:fld>
             <a:endParaRPr lang="de-DE"/>
           </a:p>
@@ -2038,39 +2038,6 @@
           <a:lstStyle/>
           <a:p>
             <a:endParaRPr lang="de-DE"/>
-          </a:p>
-        </p:txBody>
-      </p:sp>
-      <p:sp>
-        <p:nvSpPr>
-          <p:cNvPr id="15" name="Textfeld 14"/>
-          <p:cNvSpPr txBox="1"/>
-          <p:nvPr userDrawn="1"/>
-        </p:nvSpPr>
-        <p:spPr>
-          <a:xfrm>
-            <a:off x="2033534" y="9314293"/>
-            <a:ext cx="2449033" cy="261610"/>
-          </a:xfrm>
-          <a:prstGeom prst="rect">
-            <a:avLst/>
-          </a:prstGeom>
-          <a:noFill/>
-        </p:spPr>
-        <p:txBody>
-          <a:bodyPr wrap="square" rtlCol="0">
-            <a:spAutoFit/>
-          </a:bodyPr>
-          <a:lstStyle/>
-          <a:p>
-            <a:pPr algn="ctr"/>
-            <a:r>
-              <a:rPr lang="de-DE" sz="1100" dirty="0">
-                <a:hlinkClick r:id="rId2"/>
-              </a:rPr>
-              <a:t>https://www.htw-dresden.de/kiss-mint</a:t>
-            </a:r>
-            <a:endParaRPr lang="de-DE" sz="1100" dirty="0"/>
           </a:p>
         </p:txBody>
       </p:sp>
@@ -2154,7 +2121,7 @@
           <a:p>
             <a:fld id="{FC9269F9-6F79-4414-A84E-D81C6C443C37}" type="datetimeFigureOut">
               <a:rPr lang="de-DE" smtClean="0"/>
-              <a:t>06.12.2019</a:t>
+              <a:t>09.12.2019</a:t>
             </a:fld>
             <a:endParaRPr lang="de-DE"/>
           </a:p>
@@ -2270,39 +2237,6 @@
               <a:rPr lang="de-DE" dirty="0"/>
               <a:t>Formatvorlagen des Textmasters bearbeiten</a:t>
             </a:r>
-          </a:p>
-        </p:txBody>
-      </p:sp>
-      <p:sp>
-        <p:nvSpPr>
-          <p:cNvPr id="9" name="Textfeld 8"/>
-          <p:cNvSpPr txBox="1"/>
-          <p:nvPr userDrawn="1"/>
-        </p:nvSpPr>
-        <p:spPr>
-          <a:xfrm>
-            <a:off x="2033534" y="9314293"/>
-            <a:ext cx="2449033" cy="261610"/>
-          </a:xfrm>
-          <a:prstGeom prst="rect">
-            <a:avLst/>
-          </a:prstGeom>
-          <a:noFill/>
-        </p:spPr>
-        <p:txBody>
-          <a:bodyPr wrap="square" rtlCol="0">
-            <a:spAutoFit/>
-          </a:bodyPr>
-          <a:lstStyle/>
-          <a:p>
-            <a:pPr algn="ctr"/>
-            <a:r>
-              <a:rPr lang="de-DE" sz="1100" dirty="0">
-                <a:hlinkClick r:id="rId2"/>
-              </a:rPr>
-              <a:t>https://www.htw-dresden.de/kiss-mint</a:t>
-            </a:r>
-            <a:endParaRPr lang="de-DE" sz="1100" dirty="0"/>
           </a:p>
         </p:txBody>
       </p:sp>
@@ -2986,7 +2920,7 @@
           <a:p>
             <a:fld id="{FC9269F9-6F79-4414-A84E-D81C6C443C37}" type="datetimeFigureOut">
               <a:rPr lang="de-DE" smtClean="0"/>
-              <a:t>06.12.2019</a:t>
+              <a:t>09.12.2019</a:t>
             </a:fld>
             <a:endParaRPr lang="de-DE"/>
           </a:p>
@@ -3209,7 +3143,7 @@
           <a:p>
             <a:fld id="{FC9269F9-6F79-4414-A84E-D81C6C443C37}" type="datetimeFigureOut">
               <a:rPr lang="de-DE" smtClean="0"/>
-              <a:t>06.12.2019</a:t>
+              <a:t>09.12.2019</a:t>
             </a:fld>
             <a:endParaRPr lang="de-DE"/>
           </a:p>
@@ -3422,7 +3356,7 @@
           <a:p>
             <a:fld id="{FC9269F9-6F79-4414-A84E-D81C6C443C37}" type="datetimeFigureOut">
               <a:rPr lang="de-DE" smtClean="0"/>
-              <a:t>06.12.2019</a:t>
+              <a:t>09.12.2019</a:t>
             </a:fld>
             <a:endParaRPr lang="de-DE"/>
           </a:p>
@@ -3507,6 +3441,149 @@
           </a:p>
         </p:txBody>
       </p:sp>
+      <p:pic>
+        <p:nvPicPr>
+          <p:cNvPr id="7" name="Grafik 6">
+            <a:extLst>
+              <a:ext uri="{FF2B5EF4-FFF2-40B4-BE49-F238E27FC236}">
+                <a16:creationId xmlns:a16="http://schemas.microsoft.com/office/drawing/2014/main" id="{8291472F-4953-45FE-ABF7-94E69C8CC020}"/>
+              </a:ext>
+            </a:extLst>
+          </p:cNvPr>
+          <p:cNvPicPr>
+            <a:picLocks noChangeAspect="1"/>
+          </p:cNvPicPr>
+          <p:nvPr userDrawn="1"/>
+        </p:nvPicPr>
+        <p:blipFill>
+          <a:blip r:embed="rId10" cstate="print">
+            <a:extLst>
+              <a:ext uri="{28A0092B-C50C-407E-A947-70E740481C1C}">
+                <a14:useLocalDpi xmlns:a14="http://schemas.microsoft.com/office/drawing/2010/main" val="0"/>
+              </a:ext>
+            </a:extLst>
+          </a:blip>
+          <a:stretch>
+            <a:fillRect/>
+          </a:stretch>
+        </p:blipFill>
+        <p:spPr>
+          <a:xfrm>
+            <a:off x="4501564" y="9267750"/>
+            <a:ext cx="1884949" cy="324000"/>
+          </a:xfrm>
+          <a:prstGeom prst="rect">
+            <a:avLst/>
+          </a:prstGeom>
+        </p:spPr>
+      </p:pic>
+      <p:pic>
+        <p:nvPicPr>
+          <p:cNvPr id="8" name="Grafik 7">
+            <a:extLst>
+              <a:ext uri="{FF2B5EF4-FFF2-40B4-BE49-F238E27FC236}">
+                <a16:creationId xmlns:a16="http://schemas.microsoft.com/office/drawing/2014/main" id="{8CB68C38-F88B-4E0F-AD4D-27D1A5CAD3C7}"/>
+              </a:ext>
+            </a:extLst>
+          </p:cNvPr>
+          <p:cNvPicPr>
+            <a:picLocks noChangeAspect="1"/>
+          </p:cNvPicPr>
+          <p:nvPr userDrawn="1"/>
+        </p:nvPicPr>
+        <p:blipFill rotWithShape="1">
+          <a:blip r:embed="rId11" cstate="print">
+            <a:extLst>
+              <a:ext uri="{28A0092B-C50C-407E-A947-70E740481C1C}">
+                <a14:useLocalDpi xmlns:a14="http://schemas.microsoft.com/office/drawing/2010/main" val="0"/>
+              </a:ext>
+            </a:extLst>
+          </a:blip>
+          <a:srcRect t="15984" b="15885"/>
+          <a:stretch/>
+        </p:blipFill>
+        <p:spPr>
+          <a:xfrm>
+            <a:off x="471488" y="9224307"/>
+            <a:ext cx="1604044" cy="453441"/>
+          </a:xfrm>
+          <a:prstGeom prst="rect">
+            <a:avLst/>
+          </a:prstGeom>
+        </p:spPr>
+      </p:pic>
+      <p:pic>
+        <p:nvPicPr>
+          <p:cNvPr id="9" name="Grafik 8">
+            <a:extLst>
+              <a:ext uri="{FF2B5EF4-FFF2-40B4-BE49-F238E27FC236}">
+                <a16:creationId xmlns:a16="http://schemas.microsoft.com/office/drawing/2014/main" id="{1EC57FFA-D740-429F-95D6-2E5C40F9BEB4}"/>
+              </a:ext>
+            </a:extLst>
+          </p:cNvPr>
+          <p:cNvPicPr>
+            <a:picLocks noChangeAspect="1"/>
+          </p:cNvPicPr>
+          <p:nvPr userDrawn="1"/>
+        </p:nvPicPr>
+        <p:blipFill>
+          <a:blip r:embed="rId12" cstate="print">
+            <a:extLst>
+              <a:ext uri="{28A0092B-C50C-407E-A947-70E740481C1C}">
+                <a14:useLocalDpi xmlns:a14="http://schemas.microsoft.com/office/drawing/2010/main" val="0"/>
+              </a:ext>
+            </a:extLst>
+          </a:blip>
+          <a:stretch>
+            <a:fillRect/>
+          </a:stretch>
+        </p:blipFill>
+        <p:spPr>
+          <a:xfrm>
+            <a:off x="2074069" y="9099550"/>
+            <a:ext cx="381000" cy="571500"/>
+          </a:xfrm>
+          <a:prstGeom prst="rect">
+            <a:avLst/>
+          </a:prstGeom>
+        </p:spPr>
+      </p:pic>
+      <p:pic>
+        <p:nvPicPr>
+          <p:cNvPr id="10" name="Grafik 9">
+            <a:extLst>
+              <a:ext uri="{FF2B5EF4-FFF2-40B4-BE49-F238E27FC236}">
+                <a16:creationId xmlns:a16="http://schemas.microsoft.com/office/drawing/2014/main" id="{969C5834-1F13-4908-9CB4-D34769FCAF19}"/>
+              </a:ext>
+            </a:extLst>
+          </p:cNvPr>
+          <p:cNvPicPr>
+            <a:picLocks noChangeAspect="1"/>
+          </p:cNvPicPr>
+          <p:nvPr userDrawn="1"/>
+        </p:nvPicPr>
+        <p:blipFill>
+          <a:blip r:embed="rId13" cstate="print">
+            <a:extLst>
+              <a:ext uri="{28A0092B-C50C-407E-A947-70E740481C1C}">
+                <a14:useLocalDpi xmlns:a14="http://schemas.microsoft.com/office/drawing/2010/main" val="0"/>
+              </a:ext>
+            </a:extLst>
+          </a:blip>
+          <a:stretch>
+            <a:fillRect/>
+          </a:stretch>
+        </p:blipFill>
+        <p:spPr>
+          <a:xfrm>
+            <a:off x="3590172" y="8960427"/>
+            <a:ext cx="911392" cy="911392"/>
+          </a:xfrm>
+          <a:prstGeom prst="rect">
+            <a:avLst/>
+          </a:prstGeom>
+        </p:spPr>
+      </p:pic>
     </p:spTree>
     <p:extLst>
       <p:ext uri="{BB962C8B-B14F-4D97-AF65-F5344CB8AC3E}">
